--- a/subjects/resources/1/it_phys/LR1.pptx
+++ b/subjects/resources/1/it_phys/LR1.pptx
@@ -121,9 +121,9 @@
 </file>
 
 <file path=ppt/charts/chart1.xml><?xml version="1.0" encoding="utf-8"?>
-<c:chartSpace xmlns:c="http://schemas.openxmlformats.org/drawingml/2006/chart" xmlns:a="http://schemas.openxmlformats.org/drawingml/2006/main" xmlns:r="http://schemas.openxmlformats.org/officeDocument/2006/relationships">
+<c:chartSpace xmlns:c="http://schemas.openxmlformats.org/drawingml/2006/chart" xmlns:a="http://schemas.openxmlformats.org/drawingml/2006/main" xmlns:r="http://schemas.openxmlformats.org/officeDocument/2006/relationships" xmlns:c16r2="http://schemas.microsoft.com/office/drawing/2015/06/chart">
   <c:date1904 val="0"/>
-  <c:lang val="en-US"/>
+  <c:lang val="ru-RU"/>
   <c:roundedCorners val="0"/>
   <mc:AlternateContent xmlns:mc="http://schemas.openxmlformats.org/markup-compatibility/2006">
     <mc:Choice xmlns:c14="http://schemas.microsoft.com/office/drawing/2007/8/2/chart" Requires="c14">
@@ -4995,6 +4995,11 @@
             </c:numRef>
           </c:yVal>
           <c:smooth val="0"/>
+          <c:extLst>
+            <c:ext xmlns:c16="http://schemas.microsoft.com/office/drawing/2014/chart" uri="{C3380CC4-5D6E-409C-BE32-E72D297353CC}">
+              <c16:uniqueId val="{00000000-742D-4F2E-9716-BB06BF4585F7}"/>
+            </c:ext>
+          </c:extLst>
         </c:ser>
         <c:dLbls>
           <c:showLegendKey val="0"/>
@@ -5103,9 +5108,9 @@
 </file>
 
 <file path=ppt/charts/chart2.xml><?xml version="1.0" encoding="utf-8"?>
-<c:chartSpace xmlns:c="http://schemas.openxmlformats.org/drawingml/2006/chart" xmlns:a="http://schemas.openxmlformats.org/drawingml/2006/main" xmlns:r="http://schemas.openxmlformats.org/officeDocument/2006/relationships">
+<c:chartSpace xmlns:c="http://schemas.openxmlformats.org/drawingml/2006/chart" xmlns:a="http://schemas.openxmlformats.org/drawingml/2006/main" xmlns:r="http://schemas.openxmlformats.org/officeDocument/2006/relationships" xmlns:c16r2="http://schemas.microsoft.com/office/drawing/2015/06/chart">
   <c:date1904 val="0"/>
-  <c:lang val="en-US"/>
+  <c:lang val="ru-RU"/>
   <c:roundedCorners val="0"/>
   <mc:AlternateContent xmlns:mc="http://schemas.openxmlformats.org/markup-compatibility/2006">
     <mc:Choice xmlns:c14="http://schemas.microsoft.com/office/drawing/2007/8/2/chart" Requires="c14">
@@ -6069,6 +6074,11 @@
             </c:numRef>
           </c:yVal>
           <c:smooth val="0"/>
+          <c:extLst>
+            <c:ext xmlns:c16="http://schemas.microsoft.com/office/drawing/2014/chart" uri="{C3380CC4-5D6E-409C-BE32-E72D297353CC}">
+              <c16:uniqueId val="{00000000-1C48-46FB-B306-930D44A886AC}"/>
+            </c:ext>
+          </c:extLst>
         </c:ser>
         <c:dLbls>
           <c:showLegendKey val="0"/>
@@ -7474,7 +7484,7 @@
           <a:p>
             <a:fld id="{E430A647-5625-4353-8554-5C4A1A820185}" type="datetimeFigureOut">
               <a:rPr lang="ru-RU" smtClean="0"/>
-              <a:t>06.10.2015</a:t>
+              <a:t>04.06.2019</a:t>
             </a:fld>
             <a:endParaRPr lang="ru-RU"/>
           </a:p>
@@ -7812,7 +7822,7 @@
           <a:p>
             <a:fld id="{E430A647-5625-4353-8554-5C4A1A820185}" type="datetimeFigureOut">
               <a:rPr lang="ru-RU" smtClean="0"/>
-              <a:t>06.10.2015</a:t>
+              <a:t>04.06.2019</a:t>
             </a:fld>
             <a:endParaRPr lang="ru-RU"/>
           </a:p>
@@ -8213,7 +8223,7 @@
           <a:p>
             <a:fld id="{E430A647-5625-4353-8554-5C4A1A820185}" type="datetimeFigureOut">
               <a:rPr lang="ru-RU" smtClean="0"/>
-              <a:t>06.10.2015</a:t>
+              <a:t>04.06.2019</a:t>
             </a:fld>
             <a:endParaRPr lang="ru-RU"/>
           </a:p>
@@ -8549,7 +8559,7 @@
           <a:p>
             <a:fld id="{E430A647-5625-4353-8554-5C4A1A820185}" type="datetimeFigureOut">
               <a:rPr lang="ru-RU" smtClean="0"/>
-              <a:t>06.10.2015</a:t>
+              <a:t>04.06.2019</a:t>
             </a:fld>
             <a:endParaRPr lang="ru-RU"/>
           </a:p>
@@ -8869,7 +8879,7 @@
           <a:p>
             <a:fld id="{E430A647-5625-4353-8554-5C4A1A820185}" type="datetimeFigureOut">
               <a:rPr lang="ru-RU" smtClean="0"/>
-              <a:t>06.10.2015</a:t>
+              <a:t>04.06.2019</a:t>
             </a:fld>
             <a:endParaRPr lang="ru-RU"/>
           </a:p>
@@ -9265,7 +9275,7 @@
           <a:p>
             <a:fld id="{E430A647-5625-4353-8554-5C4A1A820185}" type="datetimeFigureOut">
               <a:rPr lang="ru-RU" smtClean="0"/>
-              <a:t>06.10.2015</a:t>
+              <a:t>04.06.2019</a:t>
             </a:fld>
             <a:endParaRPr lang="ru-RU"/>
           </a:p>
@@ -9522,7 +9532,7 @@
           <a:p>
             <a:fld id="{E430A647-5625-4353-8554-5C4A1A820185}" type="datetimeFigureOut">
               <a:rPr lang="ru-RU" smtClean="0"/>
-              <a:t>06.10.2015</a:t>
+              <a:t>04.06.2019</a:t>
             </a:fld>
             <a:endParaRPr lang="ru-RU"/>
           </a:p>
@@ -9784,7 +9794,7 @@
           <a:p>
             <a:fld id="{E430A647-5625-4353-8554-5C4A1A820185}" type="datetimeFigureOut">
               <a:rPr lang="ru-RU" smtClean="0"/>
-              <a:t>06.10.2015</a:t>
+              <a:t>04.06.2019</a:t>
             </a:fld>
             <a:endParaRPr lang="ru-RU"/>
           </a:p>
@@ -10046,7 +10056,7 @@
           <a:p>
             <a:fld id="{E430A647-5625-4353-8554-5C4A1A820185}" type="datetimeFigureOut">
               <a:rPr lang="ru-RU" smtClean="0"/>
-              <a:t>06.10.2015</a:t>
+              <a:t>04.06.2019</a:t>
             </a:fld>
             <a:endParaRPr lang="ru-RU"/>
           </a:p>
@@ -10375,7 +10385,7 @@
           <a:p>
             <a:fld id="{E430A647-5625-4353-8554-5C4A1A820185}" type="datetimeFigureOut">
               <a:rPr lang="ru-RU" smtClean="0"/>
-              <a:t>06.10.2015</a:t>
+              <a:t>04.06.2019</a:t>
             </a:fld>
             <a:endParaRPr lang="ru-RU"/>
           </a:p>
@@ -10698,7 +10708,7 @@
           <a:p>
             <a:fld id="{E430A647-5625-4353-8554-5C4A1A820185}" type="datetimeFigureOut">
               <a:rPr lang="ru-RU" smtClean="0"/>
-              <a:t>06.10.2015</a:t>
+              <a:t>04.06.2019</a:t>
             </a:fld>
             <a:endParaRPr lang="ru-RU"/>
           </a:p>
@@ -11155,7 +11165,7 @@
           <a:p>
             <a:fld id="{E430A647-5625-4353-8554-5C4A1A820185}" type="datetimeFigureOut">
               <a:rPr lang="ru-RU" smtClean="0"/>
-              <a:t>06.10.2015</a:t>
+              <a:t>04.06.2019</a:t>
             </a:fld>
             <a:endParaRPr lang="ru-RU"/>
           </a:p>
@@ -11360,7 +11370,7 @@
           <a:p>
             <a:fld id="{E430A647-5625-4353-8554-5C4A1A820185}" type="datetimeFigureOut">
               <a:rPr lang="ru-RU" smtClean="0"/>
-              <a:t>06.10.2015</a:t>
+              <a:t>04.06.2019</a:t>
             </a:fld>
             <a:endParaRPr lang="ru-RU"/>
           </a:p>
@@ -11537,7 +11547,7 @@
           <a:p>
             <a:fld id="{E430A647-5625-4353-8554-5C4A1A820185}" type="datetimeFigureOut">
               <a:rPr lang="ru-RU" smtClean="0"/>
-              <a:t>06.10.2015</a:t>
+              <a:t>04.06.2019</a:t>
             </a:fld>
             <a:endParaRPr lang="ru-RU"/>
           </a:p>
@@ -11870,7 +11880,7 @@
           <a:p>
             <a:fld id="{E430A647-5625-4353-8554-5C4A1A820185}" type="datetimeFigureOut">
               <a:rPr lang="ru-RU" smtClean="0"/>
-              <a:t>06.10.2015</a:t>
+              <a:t>04.06.2019</a:t>
             </a:fld>
             <a:endParaRPr lang="ru-RU"/>
           </a:p>
@@ -12215,7 +12225,7 @@
           <a:p>
             <a:fld id="{E430A647-5625-4353-8554-5C4A1A820185}" type="datetimeFigureOut">
               <a:rPr lang="ru-RU" smtClean="0"/>
-              <a:t>06.10.2015</a:t>
+              <a:t>04.06.2019</a:t>
             </a:fld>
             <a:endParaRPr lang="ru-RU"/>
           </a:p>
@@ -14332,7 +14342,7 @@
           <a:p>
             <a:fld id="{E430A647-5625-4353-8554-5C4A1A820185}" type="datetimeFigureOut">
               <a:rPr lang="ru-RU" smtClean="0"/>
-              <a:t>06.10.2015</a:t>
+              <a:t>04.06.2019</a:t>
             </a:fld>
             <a:endParaRPr lang="ru-RU"/>
           </a:p>
@@ -15350,16 +15360,7 @@
                 </a:solidFill>
                 <a:latin typeface="Georgia" panose="02040502050405020303" pitchFamily="18" charset="0"/>
               </a:rPr>
-              <a:t>Иследовать видимую траекторию движения Марса относительно </a:t>
-            </a:r>
-            <a:r>
-              <a:rPr lang="ru-RU" sz="2400" i="1" dirty="0" smtClean="0">
-                <a:solidFill>
-                  <a:schemeClr val="tx1"/>
-                </a:solidFill>
-                <a:latin typeface="Georgia" panose="02040502050405020303" pitchFamily="18" charset="0"/>
-              </a:rPr>
-              <a:t>Земли</a:t>
+              <a:t>Иследовать видимую траекторию движения Марса относительно Земли</a:t>
             </a:r>
             <a:endParaRPr lang="ru-RU" sz="2400" i="1" dirty="0">
               <a:solidFill>
